--- a/Speech Emotion Recognition Study.pptx
+++ b/Speech Emotion Recognition Study.pptx
@@ -5,16 +5,17 @@
     <p:sldMasterId id="2147483648" r:id="rId4"/>
   </p:sldMasterIdLst>
   <p:notesMasterIdLst>
-    <p:notesMasterId r:id="rId6"/>
+    <p:notesMasterId r:id="rId13"/>
   </p:notesMasterIdLst>
   <p:sldIdLst>
     <p:sldId id="256" r:id="rId5"/>
-    <p:sldId id="257" r:id="rId14"/>
-    <p:sldId id="258" r:id="rId15"/>
-    <p:sldId id="259" r:id="rId16"/>
-    <p:sldId id="260" r:id="rId17"/>
-    <p:sldId id="261" r:id="rId18"/>
-    <p:sldId id="262" r:id="rId19"/>
+    <p:sldId id="257" r:id="rId6"/>
+    <p:sldId id="258" r:id="rId7"/>
+    <p:sldId id="259" r:id="rId8"/>
+    <p:sldId id="260" r:id="rId9"/>
+    <p:sldId id="261" r:id="rId10"/>
+    <p:sldId id="262" r:id="rId11"/>
+    <p:sldId id="263" r:id="rId12"/>
   </p:sldIdLst>
   <p:sldSz cx="12192000" cy="6858000"/>
   <p:notesSz cx="6858000" cy="9144000"/>
@@ -223,7 +224,7 @@
           <a:p>
             <a:fld id="{7487ADD9-2083-264C-A652-8D52D02F7E72}" type="datetimeFigureOut">
               <a:rPr lang="en-US" smtClean="0"/>
-              <a:t>8/22/2023</a:t>
+              <a:t>3/3/24</a:t>
             </a:fld>
             <a:endParaRPr lang="en-US" dirty="0"/>
           </a:p>
@@ -1875,7 +1876,7 @@
           <a:p>
             <a:fld id="{AE46C21D-EBB5-4F3D-B06D-166777189317}" type="datetime1">
               <a:rPr lang="en-US" smtClean="0"/>
-              <a:t>8/22/2023</a:t>
+              <a:t>3/3/24</a:t>
             </a:fld>
             <a:endParaRPr lang="en-US" dirty="0"/>
           </a:p>
@@ -2757,7 +2758,7 @@
           <a:p>
             <a:fld id="{1DFFEA26-EB1D-498C-95CD-1ECE586790AA}" type="datetime1">
               <a:rPr lang="en-US" smtClean="0"/>
-              <a:t>8/22/2023</a:t>
+              <a:t>3/3/24</a:t>
             </a:fld>
             <a:endParaRPr lang="en-US" dirty="0"/>
           </a:p>
@@ -3928,7 +3929,7 @@
           <a:p>
             <a:fld id="{539842EE-D56F-4F18-94E7-094CEF23F906}" type="datetime1">
               <a:rPr lang="en-US" smtClean="0"/>
-              <a:t>8/22/2023</a:t>
+              <a:t>3/3/24</a:t>
             </a:fld>
             <a:endParaRPr lang="en-US" dirty="0"/>
           </a:p>
@@ -5998,7 +5999,7 @@
           <a:p>
             <a:fld id="{45B08281-154C-4FEF-A6DF-18BA3AC0F374}" type="datetime1">
               <a:rPr lang="en-US" smtClean="0"/>
-              <a:t>8/22/2023</a:t>
+              <a:t>3/3/24</a:t>
             </a:fld>
             <a:endParaRPr lang="en-US" dirty="0"/>
           </a:p>
@@ -6714,7 +6715,7 @@
           <a:p>
             <a:fld id="{04D857D4-BD7E-4A06-844B-AAD504F1114F}" type="datetime1">
               <a:rPr lang="en-US" smtClean="0"/>
-              <a:t>8/22/2023</a:t>
+              <a:t>3/3/24</a:t>
             </a:fld>
             <a:endParaRPr lang="en-US" dirty="0"/>
           </a:p>
@@ -7937,7 +7938,7 @@
           <a:p>
             <a:fld id="{916AFA50-87A4-4E99-B112-8C6B1DFB84B2}" type="datetime1">
               <a:rPr lang="en-US" smtClean="0"/>
-              <a:t>8/22/2023</a:t>
+              <a:t>3/3/24</a:t>
             </a:fld>
             <a:endParaRPr lang="en-US" dirty="0"/>
           </a:p>
@@ -8526,7 +8527,7 @@
           <a:p>
             <a:fld id="{6B3905CA-BF0F-4A1B-AA0D-85E42F5D5A85}" type="datetime1">
               <a:rPr lang="en-US" smtClean="0"/>
-              <a:t>8/22/2023</a:t>
+              <a:t>3/3/24</a:t>
             </a:fld>
             <a:endParaRPr lang="en-US" dirty="0"/>
           </a:p>
@@ -8997,7 +8998,7 @@
           <a:p>
             <a:fld id="{D3DA9A77-60C0-4BB8-898D-2828EE4073AD}" type="datetime1">
               <a:rPr lang="en-US" smtClean="0"/>
-              <a:t>8/22/2023</a:t>
+              <a:t>3/3/24</a:t>
             </a:fld>
             <a:endParaRPr lang="en-US" dirty="0"/>
           </a:p>
@@ -9829,7 +9830,7 @@
           <a:p>
             <a:fld id="{C1F30CD5-42B1-4614-9F46-5D29928CC2DB}" type="datetime1">
               <a:rPr lang="en-US" smtClean="0"/>
-              <a:t>8/22/2023</a:t>
+              <a:t>3/3/24</a:t>
             </a:fld>
             <a:endParaRPr lang="en-US" dirty="0"/>
           </a:p>
@@ -12020,7 +12021,7 @@
           <a:p>
             <a:fld id="{EE6020E3-D95B-4E55-964F-4B1A98BDAA6F}" type="datetime1">
               <a:rPr lang="en-US" smtClean="0"/>
-              <a:t>8/22/2023</a:t>
+              <a:t>3/3/24</a:t>
             </a:fld>
             <a:endParaRPr lang="en-US" dirty="0"/>
           </a:p>
@@ -12288,7 +12289,7 @@
           <a:p>
             <a:fld id="{FC9A72C8-1C87-42EF-8A11-BF6DFA19ED8B}" type="datetime1">
               <a:rPr lang="en-US" smtClean="0"/>
-              <a:t>8/22/2023</a:t>
+              <a:t>3/3/24</a:t>
             </a:fld>
             <a:endParaRPr lang="en-US" dirty="0"/>
           </a:p>
@@ -12857,7 +12858,9 @@
         <p:txBody>
           <a:bodyPr/>
           <a:lstStyle/>
-          <a:p/>
+          <a:p>
+            <a:endParaRPr/>
+          </a:p>
         </p:txBody>
       </p:sp>
     </p:spTree>
@@ -12874,7 +12877,7 @@
 </file>
 
 <file path=ppt/slides/slide2.xml><?xml version="1.0" encoding="utf-8"?>
-<p:sld xmlns:a="http://schemas.openxmlformats.org/drawingml/2006/main" xmlns:p="http://schemas.openxmlformats.org/presentationml/2006/main" xmlns:r="http://schemas.openxmlformats.org/officeDocument/2006/relationships">
+<p:sld xmlns:a="http://schemas.openxmlformats.org/drawingml/2006/main" xmlns:r="http://schemas.openxmlformats.org/officeDocument/2006/relationships" xmlns:p="http://schemas.openxmlformats.org/presentationml/2006/main">
   <p:cSld>
     <p:spTree>
       <p:nvGrpSpPr>
@@ -12882,7 +12885,14 @@
         <p:cNvGrpSpPr/>
         <p:nvPr/>
       </p:nvGrpSpPr>
-      <p:grpSpPr/>
+      <p:grpSpPr>
+        <a:xfrm>
+          <a:off x="0" y="0"/>
+          <a:ext cx="0" cy="0"/>
+          <a:chOff x="0" y="0"/>
+          <a:chExt cx="0" cy="0"/>
+        </a:xfrm>
+      </p:grpSpPr>
       <p:sp>
         <p:nvSpPr>
           <p:cNvPr id="2" name="Title 1"/>
@@ -12919,19 +12929,16 @@
           <a:bodyPr/>
           <a:lstStyle/>
           <a:p>
-            <a:pPr/>
             <a:r>
               <a:t>- Utilizing TESS database, train ML models with acoustic features (pitch, formants) and prosodic features (rhythm, intonation) to recognize emotions in speech.</a:t>
             </a:r>
           </a:p>
           <a:p>
-            <a:pPr/>
             <a:r>
               <a:t>- Compare the effectiveness of models like HMM, ANN, CNN, LSTM-RNN to determine the optimal feature set or combination for speech emotion recognition.</a:t>
             </a:r>
           </a:p>
           <a:p>
-            <a:pPr/>
             <a:r>
               <a:t>- Acoustic features include spectral elements like MFCC, while prosodic features cover speech rhythm, stress, pitch contour, and more for comprehensive emotional analysis.</a:t>
             </a:r>
@@ -12947,7 +12954,7 @@
 </file>
 
 <file path=ppt/slides/slide3.xml><?xml version="1.0" encoding="utf-8"?>
-<p:sld xmlns:a="http://schemas.openxmlformats.org/drawingml/2006/main" xmlns:p="http://schemas.openxmlformats.org/presentationml/2006/main" xmlns:r="http://schemas.openxmlformats.org/officeDocument/2006/relationships">
+<p:sld xmlns:a="http://schemas.openxmlformats.org/drawingml/2006/main" xmlns:r="http://schemas.openxmlformats.org/officeDocument/2006/relationships" xmlns:p="http://schemas.openxmlformats.org/presentationml/2006/main">
   <p:cSld>
     <p:spTree>
       <p:nvGrpSpPr>
@@ -12955,7 +12962,14 @@
         <p:cNvGrpSpPr/>
         <p:nvPr/>
       </p:nvGrpSpPr>
-      <p:grpSpPr/>
+      <p:grpSpPr>
+        <a:xfrm>
+          <a:off x="0" y="0"/>
+          <a:ext cx="0" cy="0"/>
+          <a:chOff x="0" y="0"/>
+          <a:chExt cx="0" cy="0"/>
+        </a:xfrm>
+      </p:grpSpPr>
       <p:sp>
         <p:nvSpPr>
           <p:cNvPr id="2" name="Title 1"/>
@@ -12992,19 +13006,16 @@
           <a:bodyPr/>
           <a:lstStyle/>
           <a:p>
-            <a:pPr/>
             <a:r>
               <a:t>- Hypothesis: Different machine learning models utilizing acoustic and prosodic features will exhibit varying performances in the recognition of emotions from speech.</a:t>
             </a:r>
           </a:p>
           <a:p>
-            <a:pPr/>
             <a:r>
               <a:t>- Machine learning models like Hidden Markov Models, Artificial Neural Networks, CNN, and LSTM-RNN will be tested for emotion recognition using the TESS database.</a:t>
             </a:r>
           </a:p>
           <a:p>
-            <a:pPr/>
             <a:r>
               <a:t>- The research aims to identify the most effective feature set or combination for emotion recognition by comparing the results of the different machine learning models.</a:t>
             </a:r>
@@ -13020,7 +13031,7 @@
 </file>
 
 <file path=ppt/slides/slide4.xml><?xml version="1.0" encoding="utf-8"?>
-<p:sld xmlns:a="http://schemas.openxmlformats.org/drawingml/2006/main" xmlns:p="http://schemas.openxmlformats.org/presentationml/2006/main" xmlns:r="http://schemas.openxmlformats.org/officeDocument/2006/relationships">
+<p:sld xmlns:a="http://schemas.openxmlformats.org/drawingml/2006/main" xmlns:r="http://schemas.openxmlformats.org/officeDocument/2006/relationships" xmlns:p="http://schemas.openxmlformats.org/presentationml/2006/main">
   <p:cSld>
     <p:spTree>
       <p:nvGrpSpPr>
@@ -13028,7 +13039,14 @@
         <p:cNvGrpSpPr/>
         <p:nvPr/>
       </p:nvGrpSpPr>
-      <p:grpSpPr/>
+      <p:grpSpPr>
+        <a:xfrm>
+          <a:off x="0" y="0"/>
+          <a:ext cx="0" cy="0"/>
+          <a:chOff x="0" y="0"/>
+          <a:chExt cx="0" cy="0"/>
+        </a:xfrm>
+      </p:grpSpPr>
       <p:sp>
         <p:nvSpPr>
           <p:cNvPr id="2" name="Title 1"/>
@@ -13065,19 +13083,16 @@
           <a:bodyPr/>
           <a:lstStyle/>
           <a:p>
-            <a:pPr/>
             <a:r>
               <a:t>- Pitch, intensity, and formants are acoustic features derived from the raw signal that provide information on the fundamental frequency, loudness, and speech resonances.</a:t>
             </a:r>
           </a:p>
           <a:p>
-            <a:pPr/>
             <a:r>
               <a:t>- Spectral features like MFCC capture the frequency distribution in the speech signal, highlighting unique patterns for emotion recognition.</a:t>
             </a:r>
           </a:p>
           <a:p>
-            <a:pPr/>
             <a:r>
               <a:t>- These acoustic features play a vital role in emotion recognition by encoding vocal characteristics that convey different emotional states, aiding machine learning models in classification.</a:t>
             </a:r>
@@ -13093,7 +13108,7 @@
 </file>
 
 <file path=ppt/slides/slide5.xml><?xml version="1.0" encoding="utf-8"?>
-<p:sld xmlns:a="http://schemas.openxmlformats.org/drawingml/2006/main" xmlns:p="http://schemas.openxmlformats.org/presentationml/2006/main" xmlns:r="http://schemas.openxmlformats.org/officeDocument/2006/relationships">
+<p:sld xmlns:a="http://schemas.openxmlformats.org/drawingml/2006/main" xmlns:r="http://schemas.openxmlformats.org/officeDocument/2006/relationships" xmlns:p="http://schemas.openxmlformats.org/presentationml/2006/main">
   <p:cSld>
     <p:spTree>
       <p:nvGrpSpPr>
@@ -13101,7 +13116,14 @@
         <p:cNvGrpSpPr/>
         <p:nvPr/>
       </p:nvGrpSpPr>
-      <p:grpSpPr/>
+      <p:grpSpPr>
+        <a:xfrm>
+          <a:off x="0" y="0"/>
+          <a:ext cx="0" cy="0"/>
+          <a:chOff x="0" y="0"/>
+          <a:chExt cx="0" cy="0"/>
+        </a:xfrm>
+      </p:grpSpPr>
       <p:sp>
         <p:nvSpPr>
           <p:cNvPr id="2" name="Title 1"/>
@@ -13138,19 +13160,16 @@
           <a:bodyPr/>
           <a:lstStyle/>
           <a:p>
-            <a:pPr/>
             <a:r>
               <a:t>- Rhythm, stress, and intonation are key prosodic features influencing emotion expression in speech.</a:t>
             </a:r>
           </a:p>
           <a:p>
-            <a:pPr/>
             <a:r>
               <a:t>- Pitch and intensity contours, varying speech rates, and utterance durations also contribute to emotive speech patterns.</a:t>
             </a:r>
           </a:p>
           <a:p>
-            <a:pPr/>
             <a:r>
               <a:t>- Understanding and analyzing these prosodic elements aids in enhancing speech emotion recognition accuracy and effectiveness.</a:t>
             </a:r>
@@ -13166,7 +13185,7 @@
 </file>
 
 <file path=ppt/slides/slide6.xml><?xml version="1.0" encoding="utf-8"?>
-<p:sld xmlns:a="http://schemas.openxmlformats.org/drawingml/2006/main" xmlns:p="http://schemas.openxmlformats.org/presentationml/2006/main" xmlns:r="http://schemas.openxmlformats.org/officeDocument/2006/relationships">
+<p:sld xmlns:a="http://schemas.openxmlformats.org/drawingml/2006/main" xmlns:r="http://schemas.openxmlformats.org/officeDocument/2006/relationships" xmlns:p="http://schemas.openxmlformats.org/presentationml/2006/main">
   <p:cSld>
     <p:spTree>
       <p:nvGrpSpPr>
@@ -13174,7 +13193,14 @@
         <p:cNvGrpSpPr/>
         <p:nvPr/>
       </p:nvGrpSpPr>
-      <p:grpSpPr/>
+      <p:grpSpPr>
+        <a:xfrm>
+          <a:off x="0" y="0"/>
+          <a:ext cx="0" cy="0"/>
+          <a:chOff x="0" y="0"/>
+          <a:chExt cx="0" cy="0"/>
+        </a:xfrm>
+      </p:grpSpPr>
       <p:sp>
         <p:nvSpPr>
           <p:cNvPr id="2" name="Title 1"/>
@@ -13211,19 +13237,16 @@
           <a:bodyPr/>
           <a:lstStyle/>
           <a:p>
-            <a:pPr/>
             <a:r>
               <a:t>- Hidden Markov Models (HMM), Artificial Neural Networks (ANN), Convolutional Neural Networks (CNN), and LSTM-RNN are used for speech emotion recognition, leveraging acoustic and prosodic features in the TESS database.</a:t>
             </a:r>
           </a:p>
           <a:p>
-            <a:pPr/>
             <a:r>
               <a:t>- HMM models the temporal dependencies in speech data, while ANN, CNN, and LSTM-RNN capture complex patterns in speech for emotion recognition tasks.</a:t>
             </a:r>
           </a:p>
           <a:p>
-            <a:pPr/>
             <a:r>
               <a:t>- These models transform acoustic features like MFCC and prosodic features including intonation and rhythm to classify and recognize different emotional states conveyed in speech.</a:t>
             </a:r>
@@ -13239,7 +13262,7 @@
 </file>
 
 <file path=ppt/slides/slide7.xml><?xml version="1.0" encoding="utf-8"?>
-<p:sld xmlns:a="http://schemas.openxmlformats.org/drawingml/2006/main" xmlns:p="http://schemas.openxmlformats.org/presentationml/2006/main" xmlns:r="http://schemas.openxmlformats.org/officeDocument/2006/relationships">
+<p:sld xmlns:a="http://schemas.openxmlformats.org/drawingml/2006/main" xmlns:r="http://schemas.openxmlformats.org/officeDocument/2006/relationships" xmlns:p="http://schemas.openxmlformats.org/presentationml/2006/main">
   <p:cSld>
     <p:spTree>
       <p:nvGrpSpPr>
@@ -13247,7 +13270,14 @@
         <p:cNvGrpSpPr/>
         <p:nvPr/>
       </p:nvGrpSpPr>
-      <p:grpSpPr/>
+      <p:grpSpPr>
+        <a:xfrm>
+          <a:off x="0" y="0"/>
+          <a:ext cx="0" cy="0"/>
+          <a:chOff x="0" y="0"/>
+          <a:chExt cx="0" cy="0"/>
+        </a:xfrm>
+      </p:grpSpPr>
       <p:sp>
         <p:nvSpPr>
           <p:cNvPr id="2" name="Title 1"/>
@@ -13284,21 +13314,96 @@
           <a:bodyPr/>
           <a:lstStyle/>
           <a:p>
-            <a:pPr/>
             <a:r>
               <a:t>- Basic emotion models categorize emotions into distinct categories like happy or sad, simplifying recognition process for speech emotions.</a:t>
             </a:r>
           </a:p>
           <a:p>
-            <a:pPr/>
             <a:r>
               <a:t>- Dimensional emotion models view emotions in a multidimensional space, considering aspects like valence, arousal, and dominance for nuanced emotion analysis.</a:t>
             </a:r>
           </a:p>
           <a:p>
-            <a:pPr/>
             <a:r>
               <a:t>-</a:t>
+            </a:r>
+          </a:p>
+        </p:txBody>
+      </p:sp>
+    </p:spTree>
+  </p:cSld>
+  <p:clrMapOvr>
+    <a:masterClrMapping/>
+  </p:clrMapOvr>
+</p:sld>
+</file>
+
+<file path=ppt/slides/slide8.xml><?xml version="1.0" encoding="utf-8"?>
+<p:sld xmlns:a="http://schemas.openxmlformats.org/drawingml/2006/main" xmlns:r="http://schemas.openxmlformats.org/officeDocument/2006/relationships" xmlns:p="http://schemas.openxmlformats.org/presentationml/2006/main">
+  <p:cSld>
+    <p:spTree>
+      <p:nvGrpSpPr>
+        <p:cNvPr id="1" name=""/>
+        <p:cNvGrpSpPr/>
+        <p:nvPr/>
+      </p:nvGrpSpPr>
+      <p:grpSpPr>
+        <a:xfrm>
+          <a:off x="0" y="0"/>
+          <a:ext cx="0" cy="0"/>
+          <a:chOff x="0" y="0"/>
+          <a:chExt cx="0" cy="0"/>
+        </a:xfrm>
+      </p:grpSpPr>
+      <p:sp>
+        <p:nvSpPr>
+          <p:cNvPr id="2" name="Title 1"/>
+          <p:cNvSpPr>
+            <a:spLocks noGrp="1"/>
+          </p:cNvSpPr>
+          <p:nvPr>
+            <p:ph type="title"/>
+          </p:nvPr>
+        </p:nvSpPr>
+        <p:spPr/>
+        <p:txBody>
+          <a:bodyPr/>
+          <a:lstStyle/>
+          <a:p>
+            <a:r>
+              <a:rPr dirty="0"/>
+              <a:t>Model Training and Evaluation in Speech Emotion Recognition Research</a:t>
+            </a:r>
+          </a:p>
+        </p:txBody>
+      </p:sp>
+      <p:sp>
+        <p:nvSpPr>
+          <p:cNvPr id="3" name="Content Placeholder 2"/>
+          <p:cNvSpPr>
+            <a:spLocks noGrp="1"/>
+          </p:cNvSpPr>
+          <p:nvPr>
+            <p:ph idx="1"/>
+          </p:nvPr>
+        </p:nvSpPr>
+        <p:spPr/>
+        <p:txBody>
+          <a:bodyPr/>
+          <a:lstStyle/>
+          <a:p>
+            <a:r>
+              <a:t>- Training process involves dataset preprocessing, model fitting, and validation. Models vary in complexity, requiring tuning for optimal performance in speech emotion recognition.</a:t>
+            </a:r>
+          </a:p>
+          <a:p>
+            <a:r>
+              <a:t>- Evaluation metrics include accuracy, precision, recall, F1 score for basic emotions, and MSE, RMSE, concordance correlation coefficient for dimensional emotions.</a:t>
+            </a:r>
+          </a:p>
+          <a:p>
+            <a:r>
+              <a:t>- Experiment design focuses on comparing the impact of different feature sets (acoustic, prosodic, spectral, voice quality, TEO-based) on SER models, assessing the effectiveness of each in emotion recognition.</a:t>
             </a:r>
           </a:p>
         </p:txBody>
@@ -13808,6 +13913,15 @@
 </file>
 
 <file path=customXml/item1.xml><?xml version="1.0" encoding="utf-8"?>
+<?mso-contentType ?>
+<FormTemplates xmlns="http://schemas.microsoft.com/sharepoint/v3/contenttype/forms">
+  <Display>DocumentLibraryForm</Display>
+  <Edit>DocumentLibraryForm</Edit>
+  <New>DocumentLibraryForm</New>
+</FormTemplates>
+</file>
+
+<file path=customXml/item2.xml><?xml version="1.0" encoding="utf-8"?>
 <p:properties xmlns:p="http://schemas.microsoft.com/office/2006/metadata/properties" xmlns:xsi="http://www.w3.org/2001/XMLSchema-instance" xmlns:pc="http://schemas.microsoft.com/office/infopath/2007/PartnerControls">
   <documentManagement>
     <_ip_UnifiedCompliancePolicyUIAction xmlns="http://schemas.microsoft.com/sharepoint/v3" xsi:nil="true"/>
@@ -13824,15 +13938,6 @@
     <MediaServiceKeyPoints xmlns="71af3243-3dd4-4a8d-8c0d-dd76da1f02a5" xsi:nil="true"/>
   </documentManagement>
 </p:properties>
-</file>
-
-<file path=customXml/item2.xml><?xml version="1.0" encoding="utf-8"?>
-<?mso-contentType ?>
-<FormTemplates xmlns="http://schemas.microsoft.com/sharepoint/v3/contenttype/forms">
-  <Display>DocumentLibraryForm</Display>
-  <Edit>DocumentLibraryForm</Edit>
-  <New>DocumentLibraryForm</New>
-</FormTemplates>
 </file>
 
 <file path=customXml/item3.xml><?xml version="1.0" encoding="utf-8"?>
@@ -14118,6 +14223,14 @@
 </file>
 
 <file path=customXml/itemProps1.xml><?xml version="1.0" encoding="utf-8"?>
+<ds:datastoreItem xmlns:ds="http://schemas.openxmlformats.org/officeDocument/2006/customXml" ds:itemID="{42076B5C-85B0-4D30-852D-5E5312EEA93B}">
+  <ds:schemaRefs>
+    <ds:schemaRef ds:uri="http://schemas.microsoft.com/sharepoint/v3/contenttype/forms"/>
+  </ds:schemaRefs>
+</ds:datastoreItem>
+</file>
+
+<file path=customXml/itemProps2.xml><?xml version="1.0" encoding="utf-8"?>
 <ds:datastoreItem xmlns:ds="http://schemas.openxmlformats.org/officeDocument/2006/customXml" ds:itemID="{1342FAFE-88B4-49B4-9588-86CB0E564E50}">
   <ds:schemaRefs>
     <ds:schemaRef ds:uri="http://schemas.microsoft.com/office/2006/metadata/properties"/>
@@ -14125,14 +14238,6 @@
     <ds:schemaRef ds:uri="http://schemas.microsoft.com/sharepoint/v3"/>
     <ds:schemaRef ds:uri="71af3243-3dd4-4a8d-8c0d-dd76da1f02a5"/>
     <ds:schemaRef ds:uri="230e9df3-be65-4c73-a93b-d1236ebd677e"/>
-  </ds:schemaRefs>
-</ds:datastoreItem>
-</file>
-
-<file path=customXml/itemProps2.xml><?xml version="1.0" encoding="utf-8"?>
-<ds:datastoreItem xmlns:ds="http://schemas.openxmlformats.org/officeDocument/2006/customXml" ds:itemID="{42076B5C-85B0-4D30-852D-5E5312EEA93B}">
-  <ds:schemaRefs>
-    <ds:schemaRef ds:uri="http://schemas.microsoft.com/sharepoint/v3/contenttype/forms"/>
   </ds:schemaRefs>
 </ds:datastoreItem>
 </file>
